--- a/powerpoint/network_map_editing.pptx
+++ b/powerpoint/network_map_editing.pptx
@@ -6,7 +6,9 @@
   </p:sldMasterIdLst>
   <p:sldIdLst>
     <p:sldId id="258" r:id="rId2"/>
-    <p:sldId id="257" r:id="rId3"/>
+    <p:sldId id="259" r:id="rId3"/>
+    <p:sldId id="260" r:id="rId4"/>
+    <p:sldId id="257" r:id="rId5"/>
   </p:sldIdLst>
   <p:sldSz cx="7170738" cy="2919413"/>
   <p:notesSz cx="6858000" cy="9144000"/>
@@ -244,7 +246,7 @@
           <a:p>
             <a:fld id="{1DE81F51-1E48-4337-9A6B-AF6D61A7AF18}" type="datetimeFigureOut">
               <a:rPr lang="sv-SE" smtClean="0"/>
-              <a:t>2022-12-19</a:t>
+              <a:t>2023-05-21</a:t>
             </a:fld>
             <a:endParaRPr lang="sv-SE"/>
           </a:p>
@@ -414,7 +416,7 @@
           <a:p>
             <a:fld id="{1DE81F51-1E48-4337-9A6B-AF6D61A7AF18}" type="datetimeFigureOut">
               <a:rPr lang="sv-SE" smtClean="0"/>
-              <a:t>2022-12-19</a:t>
+              <a:t>2023-05-21</a:t>
             </a:fld>
             <a:endParaRPr lang="sv-SE"/>
           </a:p>
@@ -594,7 +596,7 @@
           <a:p>
             <a:fld id="{1DE81F51-1E48-4337-9A6B-AF6D61A7AF18}" type="datetimeFigureOut">
               <a:rPr lang="sv-SE" smtClean="0"/>
-              <a:t>2022-12-19</a:t>
+              <a:t>2023-05-21</a:t>
             </a:fld>
             <a:endParaRPr lang="sv-SE"/>
           </a:p>
@@ -764,7 +766,7 @@
           <a:p>
             <a:fld id="{1DE81F51-1E48-4337-9A6B-AF6D61A7AF18}" type="datetimeFigureOut">
               <a:rPr lang="sv-SE" smtClean="0"/>
-              <a:t>2022-12-19</a:t>
+              <a:t>2023-05-21</a:t>
             </a:fld>
             <a:endParaRPr lang="sv-SE"/>
           </a:p>
@@ -1010,7 +1012,7 @@
           <a:p>
             <a:fld id="{1DE81F51-1E48-4337-9A6B-AF6D61A7AF18}" type="datetimeFigureOut">
               <a:rPr lang="sv-SE" smtClean="0"/>
-              <a:t>2022-12-19</a:t>
+              <a:t>2023-05-21</a:t>
             </a:fld>
             <a:endParaRPr lang="sv-SE"/>
           </a:p>
@@ -1242,7 +1244,7 @@
           <a:p>
             <a:fld id="{1DE81F51-1E48-4337-9A6B-AF6D61A7AF18}" type="datetimeFigureOut">
               <a:rPr lang="sv-SE" smtClean="0"/>
-              <a:t>2022-12-19</a:t>
+              <a:t>2023-05-21</a:t>
             </a:fld>
             <a:endParaRPr lang="sv-SE"/>
           </a:p>
@@ -1609,7 +1611,7 @@
           <a:p>
             <a:fld id="{1DE81F51-1E48-4337-9A6B-AF6D61A7AF18}" type="datetimeFigureOut">
               <a:rPr lang="sv-SE" smtClean="0"/>
-              <a:t>2022-12-19</a:t>
+              <a:t>2023-05-21</a:t>
             </a:fld>
             <a:endParaRPr lang="sv-SE"/>
           </a:p>
@@ -1727,7 +1729,7 @@
           <a:p>
             <a:fld id="{1DE81F51-1E48-4337-9A6B-AF6D61A7AF18}" type="datetimeFigureOut">
               <a:rPr lang="sv-SE" smtClean="0"/>
-              <a:t>2022-12-19</a:t>
+              <a:t>2023-05-21</a:t>
             </a:fld>
             <a:endParaRPr lang="sv-SE"/>
           </a:p>
@@ -1822,7 +1824,7 @@
           <a:p>
             <a:fld id="{1DE81F51-1E48-4337-9A6B-AF6D61A7AF18}" type="datetimeFigureOut">
               <a:rPr lang="sv-SE" smtClean="0"/>
-              <a:t>2022-12-19</a:t>
+              <a:t>2023-05-21</a:t>
             </a:fld>
             <a:endParaRPr lang="sv-SE"/>
           </a:p>
@@ -2099,7 +2101,7 @@
           <a:p>
             <a:fld id="{1DE81F51-1E48-4337-9A6B-AF6D61A7AF18}" type="datetimeFigureOut">
               <a:rPr lang="sv-SE" smtClean="0"/>
-              <a:t>2022-12-19</a:t>
+              <a:t>2023-05-21</a:t>
             </a:fld>
             <a:endParaRPr lang="sv-SE"/>
           </a:p>
@@ -2356,7 +2358,7 @@
           <a:p>
             <a:fld id="{1DE81F51-1E48-4337-9A6B-AF6D61A7AF18}" type="datetimeFigureOut">
               <a:rPr lang="sv-SE" smtClean="0"/>
-              <a:t>2022-12-19</a:t>
+              <a:t>2023-05-21</a:t>
             </a:fld>
             <a:endParaRPr lang="sv-SE"/>
           </a:p>
@@ -2569,7 +2571,7 @@
           <a:p>
             <a:fld id="{1DE81F51-1E48-4337-9A6B-AF6D61A7AF18}" type="datetimeFigureOut">
               <a:rPr lang="sv-SE" smtClean="0"/>
-              <a:t>2022-12-19</a:t>
+              <a:t>2023-05-21</a:t>
             </a:fld>
             <a:endParaRPr lang="sv-SE"/>
           </a:p>
@@ -3848,6 +3850,1584 @@
       </p:grpSpPr>
       <p:pic>
         <p:nvPicPr>
+          <p:cNvPr id="26" name="Picture 25"/>
+          <p:cNvPicPr>
+            <a:picLocks noChangeAspect="1"/>
+          </p:cNvPicPr>
+          <p:nvPr/>
+        </p:nvPicPr>
+        <p:blipFill rotWithShape="1">
+          <a:blip r:embed="rId2" cstate="print">
+            <a:extLst>
+              <a:ext uri="{28A0092B-C50C-407E-A947-70E740481C1C}">
+                <a14:useLocalDpi xmlns:a14="http://schemas.microsoft.com/office/drawing/2010/main" val="0"/>
+              </a:ext>
+            </a:extLst>
+          </a:blip>
+          <a:srcRect l="550" t="6327" r="-27" b="12363"/>
+          <a:stretch/>
+        </p:blipFill>
+        <p:spPr>
+          <a:xfrm>
+            <a:off x="49635" y="-33858"/>
+            <a:ext cx="7080637" cy="2893043"/>
+          </a:xfrm>
+          <a:prstGeom prst="rect">
+            <a:avLst/>
+          </a:prstGeom>
+        </p:spPr>
+      </p:pic>
+      <p:sp>
+        <p:nvSpPr>
+          <p:cNvPr id="6" name="Oval 5"/>
+          <p:cNvSpPr>
+            <a:spLocks noChangeAspect="1"/>
+          </p:cNvSpPr>
+          <p:nvPr/>
+        </p:nvSpPr>
+        <p:spPr>
+          <a:xfrm>
+            <a:off x="418776" y="1803947"/>
+            <a:ext cx="129600" cy="129600"/>
+          </a:xfrm>
+          <a:prstGeom prst="ellipse">
+            <a:avLst/>
+          </a:prstGeom>
+          <a:solidFill>
+            <a:srgbClr val="1A2CE6"/>
+          </a:solidFill>
+          <a:ln>
+            <a:noFill/>
+          </a:ln>
+        </p:spPr>
+        <p:style>
+          <a:lnRef idx="2">
+            <a:schemeClr val="accent1">
+              <a:shade val="50000"/>
+            </a:schemeClr>
+          </a:lnRef>
+          <a:fillRef idx="1">
+            <a:schemeClr val="accent1"/>
+          </a:fillRef>
+          <a:effectRef idx="0">
+            <a:schemeClr val="accent1"/>
+          </a:effectRef>
+          <a:fontRef idx="minor">
+            <a:schemeClr val="lt1"/>
+          </a:fontRef>
+        </p:style>
+        <p:txBody>
+          <a:bodyPr rtlCol="0" anchor="ctr"/>
+          <a:lstStyle/>
+          <a:p>
+            <a:pPr algn="ctr"/>
+            <a:endParaRPr lang="sv-SE"/>
+          </a:p>
+        </p:txBody>
+      </p:sp>
+      <p:sp>
+        <p:nvSpPr>
+          <p:cNvPr id="8" name="Oval 7"/>
+          <p:cNvSpPr>
+            <a:spLocks noChangeAspect="1"/>
+          </p:cNvSpPr>
+          <p:nvPr/>
+        </p:nvSpPr>
+        <p:spPr>
+          <a:xfrm>
+            <a:off x="128544" y="1848773"/>
+            <a:ext cx="39600" cy="39600"/>
+          </a:xfrm>
+          <a:prstGeom prst="ellipse">
+            <a:avLst/>
+          </a:prstGeom>
+          <a:solidFill>
+            <a:srgbClr val="1A2CE6"/>
+          </a:solidFill>
+          <a:ln>
+            <a:noFill/>
+          </a:ln>
+        </p:spPr>
+        <p:style>
+          <a:lnRef idx="2">
+            <a:schemeClr val="accent1">
+              <a:shade val="50000"/>
+            </a:schemeClr>
+          </a:lnRef>
+          <a:fillRef idx="1">
+            <a:schemeClr val="accent1"/>
+          </a:fillRef>
+          <a:effectRef idx="0">
+            <a:schemeClr val="accent1"/>
+          </a:effectRef>
+          <a:fontRef idx="minor">
+            <a:schemeClr val="lt1"/>
+          </a:fontRef>
+        </p:style>
+        <p:txBody>
+          <a:bodyPr rtlCol="0" anchor="ctr"/>
+          <a:lstStyle/>
+          <a:p>
+            <a:pPr algn="ctr"/>
+            <a:endParaRPr lang="sv-SE"/>
+          </a:p>
+        </p:txBody>
+      </p:sp>
+      <p:sp>
+        <p:nvSpPr>
+          <p:cNvPr id="10" name="Arc 9"/>
+          <p:cNvSpPr/>
+          <p:nvPr/>
+        </p:nvSpPr>
+        <p:spPr>
+          <a:xfrm rot="19685602">
+            <a:off x="-132595" y="2497918"/>
+            <a:ext cx="736816" cy="453763"/>
+          </a:xfrm>
+          <a:prstGeom prst="arc">
+            <a:avLst>
+              <a:gd name="adj1" fmla="val 16200000"/>
+              <a:gd name="adj2" fmla="val 21284941"/>
+            </a:avLst>
+          </a:prstGeom>
+          <a:ln w="19050">
+            <a:solidFill>
+              <a:srgbClr val="4DECEA">
+                <a:alpha val="65000"/>
+              </a:srgbClr>
+            </a:solidFill>
+          </a:ln>
+        </p:spPr>
+        <p:style>
+          <a:lnRef idx="1">
+            <a:schemeClr val="accent1"/>
+          </a:lnRef>
+          <a:fillRef idx="0">
+            <a:schemeClr val="accent1"/>
+          </a:fillRef>
+          <a:effectRef idx="0">
+            <a:schemeClr val="accent1"/>
+          </a:effectRef>
+          <a:fontRef idx="minor">
+            <a:schemeClr val="tx1"/>
+          </a:fontRef>
+        </p:style>
+        <p:txBody>
+          <a:bodyPr rtlCol="0" anchor="ctr"/>
+          <a:lstStyle/>
+          <a:p>
+            <a:pPr algn="ctr"/>
+            <a:endParaRPr lang="sv-SE"/>
+          </a:p>
+        </p:txBody>
+      </p:sp>
+      <p:sp>
+        <p:nvSpPr>
+          <p:cNvPr id="11" name="TextBox 10"/>
+          <p:cNvSpPr txBox="1"/>
+          <p:nvPr/>
+        </p:nvSpPr>
+        <p:spPr>
+          <a:xfrm>
+            <a:off x="116317" y="1504389"/>
+            <a:ext cx="45719" cy="107722"/>
+          </a:xfrm>
+          <a:prstGeom prst="rect">
+            <a:avLst/>
+          </a:prstGeom>
+          <a:noFill/>
+        </p:spPr>
+        <p:txBody>
+          <a:bodyPr wrap="square" lIns="0" tIns="0" rIns="0" bIns="0" rtlCol="0">
+            <a:spAutoFit/>
+          </a:bodyPr>
+          <a:lstStyle/>
+          <a:p>
+            <a:r>
+              <a:rPr lang="fr-FR" sz="700" dirty="0" smtClean="0">
+                <a:solidFill>
+                  <a:schemeClr val="bg1"/>
+                </a:solidFill>
+              </a:rPr>
+              <a:t>1</a:t>
+            </a:r>
+            <a:endParaRPr lang="sv-SE" sz="700" dirty="0">
+              <a:solidFill>
+                <a:schemeClr val="bg1"/>
+              </a:solidFill>
+            </a:endParaRPr>
+          </a:p>
+        </p:txBody>
+      </p:sp>
+      <p:sp>
+        <p:nvSpPr>
+          <p:cNvPr id="12" name="TextBox 11"/>
+          <p:cNvSpPr txBox="1"/>
+          <p:nvPr/>
+        </p:nvSpPr>
+        <p:spPr>
+          <a:xfrm>
+            <a:off x="304921" y="1503214"/>
+            <a:ext cx="53188" cy="107722"/>
+          </a:xfrm>
+          <a:prstGeom prst="rect">
+            <a:avLst/>
+          </a:prstGeom>
+          <a:noFill/>
+        </p:spPr>
+        <p:txBody>
+          <a:bodyPr wrap="square" lIns="0" tIns="0" rIns="0" bIns="0" rtlCol="0">
+            <a:spAutoFit/>
+          </a:bodyPr>
+          <a:lstStyle/>
+          <a:p>
+            <a:r>
+              <a:rPr lang="fr-FR" sz="700" dirty="0" smtClean="0">
+                <a:solidFill>
+                  <a:schemeClr val="bg1"/>
+                </a:solidFill>
+              </a:rPr>
+              <a:t>5</a:t>
+            </a:r>
+            <a:endParaRPr lang="sv-SE" sz="700" dirty="0">
+              <a:solidFill>
+                <a:schemeClr val="bg1"/>
+              </a:solidFill>
+            </a:endParaRPr>
+          </a:p>
+        </p:txBody>
+      </p:sp>
+      <p:sp>
+        <p:nvSpPr>
+          <p:cNvPr id="13" name="TextBox 12"/>
+          <p:cNvSpPr txBox="1"/>
+          <p:nvPr/>
+        </p:nvSpPr>
+        <p:spPr>
+          <a:xfrm>
+            <a:off x="475470" y="1507578"/>
+            <a:ext cx="146255" cy="107722"/>
+          </a:xfrm>
+          <a:prstGeom prst="rect">
+            <a:avLst/>
+          </a:prstGeom>
+          <a:noFill/>
+        </p:spPr>
+        <p:txBody>
+          <a:bodyPr wrap="square" lIns="0" tIns="0" rIns="0" bIns="0" rtlCol="0">
+            <a:spAutoFit/>
+          </a:bodyPr>
+          <a:lstStyle/>
+          <a:p>
+            <a:r>
+              <a:rPr lang="fr-FR" sz="700" dirty="0" smtClean="0">
+                <a:solidFill>
+                  <a:schemeClr val="bg1"/>
+                </a:solidFill>
+              </a:rPr>
+              <a:t>10</a:t>
+            </a:r>
+            <a:endParaRPr lang="sv-SE" sz="700" dirty="0">
+              <a:solidFill>
+                <a:schemeClr val="bg1"/>
+              </a:solidFill>
+            </a:endParaRPr>
+          </a:p>
+        </p:txBody>
+      </p:sp>
+      <p:sp>
+        <p:nvSpPr>
+          <p:cNvPr id="14" name="TextBox 13"/>
+          <p:cNvSpPr txBox="1"/>
+          <p:nvPr/>
+        </p:nvSpPr>
+        <p:spPr>
+          <a:xfrm>
+            <a:off x="588380" y="1569954"/>
+            <a:ext cx="592724" cy="138499"/>
+          </a:xfrm>
+          <a:prstGeom prst="rect">
+            <a:avLst/>
+          </a:prstGeom>
+          <a:noFill/>
+        </p:spPr>
+        <p:txBody>
+          <a:bodyPr wrap="square" lIns="0" tIns="0" rIns="0" bIns="0" rtlCol="0">
+            <a:spAutoFit/>
+          </a:bodyPr>
+          <a:lstStyle/>
+          <a:p>
+            <a:r>
+              <a:rPr lang="fr-FR" sz="900" dirty="0" smtClean="0">
+                <a:solidFill>
+                  <a:schemeClr val="bg1"/>
+                </a:solidFill>
+              </a:rPr>
+              <a:t>First </a:t>
+            </a:r>
+            <a:r>
+              <a:rPr lang="fr-FR" sz="900" dirty="0" err="1" smtClean="0">
+                <a:solidFill>
+                  <a:schemeClr val="bg1"/>
+                </a:solidFill>
+              </a:rPr>
+              <a:t>author</a:t>
+            </a:r>
+            <a:endParaRPr lang="sv-SE" sz="900" dirty="0">
+              <a:solidFill>
+                <a:schemeClr val="bg1"/>
+              </a:solidFill>
+            </a:endParaRPr>
+          </a:p>
+        </p:txBody>
+      </p:sp>
+      <p:sp>
+        <p:nvSpPr>
+          <p:cNvPr id="15" name="TextBox 14"/>
+          <p:cNvSpPr txBox="1"/>
+          <p:nvPr/>
+        </p:nvSpPr>
+        <p:spPr>
+          <a:xfrm>
+            <a:off x="588380" y="1801686"/>
+            <a:ext cx="592724" cy="138499"/>
+          </a:xfrm>
+          <a:prstGeom prst="rect">
+            <a:avLst/>
+          </a:prstGeom>
+          <a:noFill/>
+        </p:spPr>
+        <p:txBody>
+          <a:bodyPr wrap="square" lIns="0" tIns="0" rIns="0" bIns="0" rtlCol="0">
+            <a:spAutoFit/>
+          </a:bodyPr>
+          <a:lstStyle/>
+          <a:p>
+            <a:r>
+              <a:rPr lang="fr-FR" sz="900" dirty="0" smtClean="0">
+                <a:solidFill>
+                  <a:schemeClr val="bg1"/>
+                </a:solidFill>
+              </a:rPr>
+              <a:t>Co-</a:t>
+            </a:r>
+            <a:r>
+              <a:rPr lang="fr-FR" sz="900" dirty="0" err="1" smtClean="0">
+                <a:solidFill>
+                  <a:schemeClr val="bg1"/>
+                </a:solidFill>
+              </a:rPr>
+              <a:t>author</a:t>
+            </a:r>
+            <a:endParaRPr lang="sv-SE" sz="900" dirty="0">
+              <a:solidFill>
+                <a:schemeClr val="bg1"/>
+              </a:solidFill>
+            </a:endParaRPr>
+          </a:p>
+        </p:txBody>
+      </p:sp>
+      <p:sp>
+        <p:nvSpPr>
+          <p:cNvPr id="16" name="TextBox 15"/>
+          <p:cNvSpPr txBox="1"/>
+          <p:nvPr/>
+        </p:nvSpPr>
+        <p:spPr>
+          <a:xfrm>
+            <a:off x="137652" y="1976562"/>
+            <a:ext cx="1380977" cy="153888"/>
+          </a:xfrm>
+          <a:prstGeom prst="rect">
+            <a:avLst/>
+          </a:prstGeom>
+          <a:noFill/>
+        </p:spPr>
+        <p:txBody>
+          <a:bodyPr wrap="square" lIns="0" tIns="0" rIns="0" bIns="0" rtlCol="0">
+            <a:spAutoFit/>
+          </a:bodyPr>
+          <a:lstStyle/>
+          <a:p>
+            <a:r>
+              <a:rPr lang="fr-FR" sz="1000" b="1" dirty="0" smtClean="0">
+                <a:solidFill>
+                  <a:schemeClr val="bg1"/>
+                </a:solidFill>
+              </a:rPr>
+              <a:t>First </a:t>
+            </a:r>
+            <a:r>
+              <a:rPr lang="fr-FR" sz="1000" b="1" dirty="0" err="1" smtClean="0">
+                <a:solidFill>
+                  <a:schemeClr val="bg1"/>
+                </a:solidFill>
+              </a:rPr>
+              <a:t>author</a:t>
+            </a:r>
+            <a:r>
+              <a:rPr lang="fr-FR" sz="1000" b="1" dirty="0" smtClean="0">
+                <a:solidFill>
+                  <a:schemeClr val="bg1"/>
+                </a:solidFill>
+              </a:rPr>
+              <a:t> to </a:t>
+            </a:r>
+            <a:r>
+              <a:rPr lang="fr-FR" sz="1000" b="1" dirty="0">
+                <a:solidFill>
+                  <a:schemeClr val="bg1"/>
+                </a:solidFill>
+              </a:rPr>
+              <a:t>C</a:t>
+            </a:r>
+            <a:r>
+              <a:rPr lang="fr-FR" sz="1000" b="1" dirty="0" smtClean="0">
+                <a:solidFill>
+                  <a:schemeClr val="bg1"/>
+                </a:solidFill>
+              </a:rPr>
+              <a:t>o-</a:t>
+            </a:r>
+            <a:r>
+              <a:rPr lang="fr-FR" sz="1000" b="1" dirty="0" err="1" smtClean="0">
+                <a:solidFill>
+                  <a:schemeClr val="bg1"/>
+                </a:solidFill>
+              </a:rPr>
+              <a:t>author</a:t>
+            </a:r>
+            <a:endParaRPr lang="sv-SE" sz="1000" b="1" dirty="0">
+              <a:solidFill>
+                <a:schemeClr val="bg1"/>
+              </a:solidFill>
+            </a:endParaRPr>
+          </a:p>
+        </p:txBody>
+      </p:sp>
+      <p:sp>
+        <p:nvSpPr>
+          <p:cNvPr id="17" name="TextBox 16"/>
+          <p:cNvSpPr txBox="1"/>
+          <p:nvPr/>
+        </p:nvSpPr>
+        <p:spPr>
+          <a:xfrm>
+            <a:off x="131925" y="1304431"/>
+            <a:ext cx="652396" cy="153888"/>
+          </a:xfrm>
+          <a:prstGeom prst="rect">
+            <a:avLst/>
+          </a:prstGeom>
+          <a:noFill/>
+        </p:spPr>
+        <p:txBody>
+          <a:bodyPr wrap="square" lIns="0" tIns="0" rIns="0" bIns="0" rtlCol="0">
+            <a:spAutoFit/>
+          </a:bodyPr>
+          <a:lstStyle/>
+          <a:p>
+            <a:r>
+              <a:rPr lang="fr-FR" sz="1000" b="1" dirty="0" err="1" smtClean="0">
+                <a:solidFill>
+                  <a:schemeClr val="bg1"/>
+                </a:solidFill>
+              </a:rPr>
+              <a:t>Authorship</a:t>
+            </a:r>
+            <a:endParaRPr lang="sv-SE" sz="1000" b="1" dirty="0">
+              <a:solidFill>
+                <a:schemeClr val="bg1"/>
+              </a:solidFill>
+            </a:endParaRPr>
+          </a:p>
+        </p:txBody>
+      </p:sp>
+      <p:sp>
+        <p:nvSpPr>
+          <p:cNvPr id="18" name="TextBox 17"/>
+          <p:cNvSpPr txBox="1"/>
+          <p:nvPr/>
+        </p:nvSpPr>
+        <p:spPr>
+          <a:xfrm>
+            <a:off x="588380" y="2180708"/>
+            <a:ext cx="930249" cy="138499"/>
+          </a:xfrm>
+          <a:prstGeom prst="rect">
+            <a:avLst/>
+          </a:prstGeom>
+          <a:noFill/>
+        </p:spPr>
+        <p:txBody>
+          <a:bodyPr wrap="square" lIns="0" tIns="0" rIns="0" bIns="0" rtlCol="0">
+            <a:spAutoFit/>
+          </a:bodyPr>
+          <a:lstStyle/>
+          <a:p>
+            <a:r>
+              <a:rPr lang="fr-FR" sz="900" dirty="0" err="1" smtClean="0">
+                <a:solidFill>
+                  <a:schemeClr val="bg1"/>
+                </a:solidFill>
+              </a:rPr>
+              <a:t>African</a:t>
+            </a:r>
+            <a:r>
+              <a:rPr lang="fr-FR" sz="900" dirty="0">
+                <a:solidFill>
+                  <a:schemeClr val="bg1"/>
+                </a:solidFill>
+              </a:rPr>
+              <a:t> </a:t>
+            </a:r>
+            <a:r>
+              <a:rPr lang="fr-FR" sz="900" dirty="0" smtClean="0">
+                <a:solidFill>
+                  <a:schemeClr val="bg1"/>
+                </a:solidFill>
+              </a:rPr>
+              <a:t>1</a:t>
+            </a:r>
+            <a:r>
+              <a:rPr lang="fr-FR" sz="900" baseline="30000" dirty="0" smtClean="0">
+                <a:solidFill>
+                  <a:schemeClr val="bg1"/>
+                </a:solidFill>
+              </a:rPr>
+              <a:t>st</a:t>
+            </a:r>
+            <a:r>
+              <a:rPr lang="fr-FR" sz="900" dirty="0" smtClean="0">
+                <a:solidFill>
+                  <a:schemeClr val="bg1"/>
+                </a:solidFill>
+              </a:rPr>
+              <a:t> </a:t>
+            </a:r>
+            <a:r>
+              <a:rPr lang="fr-FR" sz="900" dirty="0" err="1" smtClean="0">
+                <a:solidFill>
+                  <a:schemeClr val="bg1"/>
+                </a:solidFill>
+              </a:rPr>
+              <a:t>author</a:t>
+            </a:r>
+            <a:endParaRPr lang="sv-SE" sz="900" dirty="0">
+              <a:solidFill>
+                <a:schemeClr val="bg1"/>
+              </a:solidFill>
+            </a:endParaRPr>
+          </a:p>
+        </p:txBody>
+      </p:sp>
+      <p:sp>
+        <p:nvSpPr>
+          <p:cNvPr id="19" name="TextBox 18"/>
+          <p:cNvSpPr txBox="1"/>
+          <p:nvPr/>
+        </p:nvSpPr>
+        <p:spPr>
+          <a:xfrm>
+            <a:off x="131557" y="1712590"/>
+            <a:ext cx="45719" cy="107722"/>
+          </a:xfrm>
+          <a:prstGeom prst="rect">
+            <a:avLst/>
+          </a:prstGeom>
+          <a:noFill/>
+        </p:spPr>
+        <p:txBody>
+          <a:bodyPr wrap="square" lIns="0" tIns="0" rIns="0" bIns="0" rtlCol="0">
+            <a:spAutoFit/>
+          </a:bodyPr>
+          <a:lstStyle/>
+          <a:p>
+            <a:r>
+              <a:rPr lang="fr-FR" sz="700" dirty="0" smtClean="0">
+                <a:solidFill>
+                  <a:schemeClr val="bg1"/>
+                </a:solidFill>
+              </a:rPr>
+              <a:t>1</a:t>
+            </a:r>
+            <a:endParaRPr lang="sv-SE" sz="700" dirty="0">
+              <a:solidFill>
+                <a:schemeClr val="bg1"/>
+              </a:solidFill>
+            </a:endParaRPr>
+          </a:p>
+        </p:txBody>
+      </p:sp>
+      <p:sp>
+        <p:nvSpPr>
+          <p:cNvPr id="20" name="TextBox 19"/>
+          <p:cNvSpPr txBox="1"/>
+          <p:nvPr/>
+        </p:nvSpPr>
+        <p:spPr>
+          <a:xfrm>
+            <a:off x="255955" y="1709827"/>
+            <a:ext cx="121405" cy="107722"/>
+          </a:xfrm>
+          <a:prstGeom prst="rect">
+            <a:avLst/>
+          </a:prstGeom>
+          <a:noFill/>
+        </p:spPr>
+        <p:txBody>
+          <a:bodyPr wrap="square" lIns="0" tIns="0" rIns="0" bIns="0" rtlCol="0">
+            <a:spAutoFit/>
+          </a:bodyPr>
+          <a:lstStyle/>
+          <a:p>
+            <a:r>
+              <a:rPr lang="fr-FR" sz="700" dirty="0" smtClean="0">
+                <a:solidFill>
+                  <a:schemeClr val="bg1"/>
+                </a:solidFill>
+              </a:rPr>
+              <a:t>18</a:t>
+            </a:r>
+            <a:endParaRPr lang="sv-SE" sz="700" dirty="0">
+              <a:solidFill>
+                <a:schemeClr val="bg1"/>
+              </a:solidFill>
+            </a:endParaRPr>
+          </a:p>
+        </p:txBody>
+      </p:sp>
+      <p:sp>
+        <p:nvSpPr>
+          <p:cNvPr id="21" name="TextBox 20"/>
+          <p:cNvSpPr txBox="1"/>
+          <p:nvPr/>
+        </p:nvSpPr>
+        <p:spPr>
+          <a:xfrm>
+            <a:off x="440229" y="1706816"/>
+            <a:ext cx="126088" cy="107722"/>
+          </a:xfrm>
+          <a:prstGeom prst="rect">
+            <a:avLst/>
+          </a:prstGeom>
+          <a:noFill/>
+        </p:spPr>
+        <p:txBody>
+          <a:bodyPr wrap="square" lIns="0" tIns="0" rIns="0" bIns="0" rtlCol="0">
+            <a:spAutoFit/>
+          </a:bodyPr>
+          <a:lstStyle/>
+          <a:p>
+            <a:r>
+              <a:rPr lang="fr-FR" sz="700" dirty="0" smtClean="0">
+                <a:solidFill>
+                  <a:schemeClr val="bg1"/>
+                </a:solidFill>
+              </a:rPr>
+              <a:t>37</a:t>
+            </a:r>
+            <a:endParaRPr lang="sv-SE" sz="700" dirty="0">
+              <a:solidFill>
+                <a:schemeClr val="bg1"/>
+              </a:solidFill>
+            </a:endParaRPr>
+          </a:p>
+        </p:txBody>
+      </p:sp>
+      <p:sp>
+        <p:nvSpPr>
+          <p:cNvPr id="22" name="Oval 21"/>
+          <p:cNvSpPr>
+            <a:spLocks noChangeAspect="1"/>
+          </p:cNvSpPr>
+          <p:nvPr/>
+        </p:nvSpPr>
+        <p:spPr>
+          <a:xfrm>
+            <a:off x="255824" y="1822580"/>
+            <a:ext cx="93600" cy="93600"/>
+          </a:xfrm>
+          <a:prstGeom prst="ellipse">
+            <a:avLst/>
+          </a:prstGeom>
+          <a:solidFill>
+            <a:srgbClr val="1A2CE6"/>
+          </a:solidFill>
+          <a:ln>
+            <a:noFill/>
+          </a:ln>
+        </p:spPr>
+        <p:style>
+          <a:lnRef idx="2">
+            <a:schemeClr val="accent1">
+              <a:shade val="50000"/>
+            </a:schemeClr>
+          </a:lnRef>
+          <a:fillRef idx="1">
+            <a:schemeClr val="accent1"/>
+          </a:fillRef>
+          <a:effectRef idx="0">
+            <a:schemeClr val="accent1"/>
+          </a:effectRef>
+          <a:fontRef idx="minor">
+            <a:schemeClr val="lt1"/>
+          </a:fontRef>
+        </p:style>
+        <p:txBody>
+          <a:bodyPr rtlCol="0" anchor="ctr"/>
+          <a:lstStyle/>
+          <a:p>
+            <a:pPr algn="ctr"/>
+            <a:endParaRPr lang="sv-SE"/>
+          </a:p>
+        </p:txBody>
+      </p:sp>
+      <p:pic>
+        <p:nvPicPr>
+          <p:cNvPr id="25" name="Picture 24"/>
+          <p:cNvPicPr>
+            <a:picLocks noChangeAspect="1"/>
+          </p:cNvPicPr>
+          <p:nvPr/>
+        </p:nvPicPr>
+        <p:blipFill>
+          <a:blip r:embed="rId3"/>
+          <a:stretch>
+            <a:fillRect/>
+          </a:stretch>
+        </p:blipFill>
+        <p:spPr>
+          <a:xfrm>
+            <a:off x="135671" y="1573239"/>
+            <a:ext cx="481941" cy="143151"/>
+          </a:xfrm>
+          <a:prstGeom prst="rect">
+            <a:avLst/>
+          </a:prstGeom>
+        </p:spPr>
+      </p:pic>
+      <p:sp>
+        <p:nvSpPr>
+          <p:cNvPr id="23" name="TextBox 22"/>
+          <p:cNvSpPr txBox="1"/>
+          <p:nvPr/>
+        </p:nvSpPr>
+        <p:spPr>
+          <a:xfrm>
+            <a:off x="588380" y="2419206"/>
+            <a:ext cx="1036141" cy="138499"/>
+          </a:xfrm>
+          <a:prstGeom prst="rect">
+            <a:avLst/>
+          </a:prstGeom>
+          <a:noFill/>
+        </p:spPr>
+        <p:txBody>
+          <a:bodyPr wrap="square" lIns="0" tIns="0" rIns="0" bIns="0" rtlCol="0">
+            <a:spAutoFit/>
+          </a:bodyPr>
+          <a:lstStyle/>
+          <a:p>
+            <a:r>
+              <a:rPr lang="fr-FR" sz="900" dirty="0" err="1" smtClean="0">
+                <a:solidFill>
+                  <a:schemeClr val="bg1"/>
+                </a:solidFill>
+              </a:rPr>
+              <a:t>Overseas</a:t>
+            </a:r>
+            <a:r>
+              <a:rPr lang="fr-FR" sz="900" dirty="0" smtClean="0">
+                <a:solidFill>
+                  <a:schemeClr val="bg1"/>
+                </a:solidFill>
+              </a:rPr>
+              <a:t> </a:t>
+            </a:r>
+            <a:r>
+              <a:rPr lang="fr-FR" sz="900" dirty="0" smtClean="0">
+                <a:solidFill>
+                  <a:schemeClr val="bg1"/>
+                </a:solidFill>
+              </a:rPr>
+              <a:t>1</a:t>
+            </a:r>
+            <a:r>
+              <a:rPr lang="fr-FR" sz="900" baseline="30000" dirty="0" smtClean="0">
+                <a:solidFill>
+                  <a:schemeClr val="bg1"/>
+                </a:solidFill>
+              </a:rPr>
+              <a:t>st</a:t>
+            </a:r>
+            <a:r>
+              <a:rPr lang="fr-FR" sz="900" dirty="0" smtClean="0">
+                <a:solidFill>
+                  <a:schemeClr val="bg1"/>
+                </a:solidFill>
+              </a:rPr>
+              <a:t> </a:t>
+            </a:r>
+            <a:r>
+              <a:rPr lang="fr-FR" sz="900" dirty="0" err="1" smtClean="0">
+                <a:solidFill>
+                  <a:schemeClr val="bg1"/>
+                </a:solidFill>
+              </a:rPr>
+              <a:t>author</a:t>
+            </a:r>
+            <a:endParaRPr lang="sv-SE" sz="900" dirty="0">
+              <a:solidFill>
+                <a:schemeClr val="bg1"/>
+              </a:solidFill>
+            </a:endParaRPr>
+          </a:p>
+        </p:txBody>
+      </p:sp>
+      <p:sp>
+        <p:nvSpPr>
+          <p:cNvPr id="24" name="Arc 23"/>
+          <p:cNvSpPr/>
+          <p:nvPr/>
+        </p:nvSpPr>
+        <p:spPr>
+          <a:xfrm rot="19685602">
+            <a:off x="-142556" y="2270462"/>
+            <a:ext cx="736816" cy="453763"/>
+          </a:xfrm>
+          <a:prstGeom prst="arc">
+            <a:avLst>
+              <a:gd name="adj1" fmla="val 16200000"/>
+              <a:gd name="adj2" fmla="val 21284941"/>
+            </a:avLst>
+          </a:prstGeom>
+          <a:ln w="19050">
+            <a:solidFill>
+              <a:srgbClr val="BA21C9"/>
+            </a:solidFill>
+          </a:ln>
+        </p:spPr>
+        <p:style>
+          <a:lnRef idx="1">
+            <a:schemeClr val="accent1"/>
+          </a:lnRef>
+          <a:fillRef idx="0">
+            <a:schemeClr val="accent1"/>
+          </a:fillRef>
+          <a:effectRef idx="0">
+            <a:schemeClr val="accent1"/>
+          </a:effectRef>
+          <a:fontRef idx="minor">
+            <a:schemeClr val="tx1"/>
+          </a:fontRef>
+        </p:style>
+        <p:txBody>
+          <a:bodyPr rtlCol="0" anchor="ctr"/>
+          <a:lstStyle/>
+          <a:p>
+            <a:pPr algn="ctr"/>
+            <a:endParaRPr lang="sv-SE"/>
+          </a:p>
+        </p:txBody>
+      </p:sp>
+      <p:sp>
+        <p:nvSpPr>
+          <p:cNvPr id="27" name="Arc 26"/>
+          <p:cNvSpPr/>
+          <p:nvPr/>
+        </p:nvSpPr>
+        <p:spPr>
+          <a:xfrm rot="19685602">
+            <a:off x="-114996" y="2718143"/>
+            <a:ext cx="736816" cy="453763"/>
+          </a:xfrm>
+          <a:prstGeom prst="arc">
+            <a:avLst>
+              <a:gd name="adj1" fmla="val 16200000"/>
+              <a:gd name="adj2" fmla="val 21284941"/>
+            </a:avLst>
+          </a:prstGeom>
+          <a:ln w="19050">
+            <a:solidFill>
+              <a:srgbClr val="FA9F44"/>
+            </a:solidFill>
+          </a:ln>
+        </p:spPr>
+        <p:style>
+          <a:lnRef idx="1">
+            <a:schemeClr val="accent1"/>
+          </a:lnRef>
+          <a:fillRef idx="0">
+            <a:schemeClr val="accent1"/>
+          </a:fillRef>
+          <a:effectRef idx="0">
+            <a:schemeClr val="accent1"/>
+          </a:effectRef>
+          <a:fontRef idx="minor">
+            <a:schemeClr val="tx1"/>
+          </a:fontRef>
+        </p:style>
+        <p:txBody>
+          <a:bodyPr rtlCol="0" anchor="ctr"/>
+          <a:lstStyle/>
+          <a:p>
+            <a:pPr algn="ctr"/>
+            <a:endParaRPr lang="sv-SE"/>
+          </a:p>
+        </p:txBody>
+      </p:sp>
+      <p:sp>
+        <p:nvSpPr>
+          <p:cNvPr id="29" name="TextBox 28"/>
+          <p:cNvSpPr txBox="1"/>
+          <p:nvPr/>
+        </p:nvSpPr>
+        <p:spPr>
+          <a:xfrm>
+            <a:off x="588379" y="2635780"/>
+            <a:ext cx="1315660" cy="138499"/>
+          </a:xfrm>
+          <a:prstGeom prst="rect">
+            <a:avLst/>
+          </a:prstGeom>
+          <a:noFill/>
+        </p:spPr>
+        <p:txBody>
+          <a:bodyPr wrap="square" lIns="0" tIns="0" rIns="0" bIns="0" rtlCol="0">
+            <a:spAutoFit/>
+          </a:bodyPr>
+          <a:lstStyle/>
+          <a:p>
+            <a:r>
+              <a:rPr lang="fr-FR" sz="900" dirty="0" err="1" smtClean="0">
+                <a:solidFill>
+                  <a:schemeClr val="bg1"/>
+                </a:solidFill>
+              </a:rPr>
+              <a:t>Overseas</a:t>
+            </a:r>
+            <a:r>
+              <a:rPr lang="fr-FR" sz="900" dirty="0" smtClean="0">
+                <a:solidFill>
+                  <a:schemeClr val="bg1"/>
+                </a:solidFill>
+              </a:rPr>
+              <a:t> </a:t>
+            </a:r>
+            <a:r>
+              <a:rPr lang="fr-FR" sz="900" dirty="0" smtClean="0">
+                <a:solidFill>
+                  <a:schemeClr val="bg1"/>
+                </a:solidFill>
+              </a:rPr>
+              <a:t>/</a:t>
+            </a:r>
+            <a:r>
+              <a:rPr lang="fr-FR" sz="900" dirty="0" err="1" smtClean="0">
+                <a:solidFill>
+                  <a:schemeClr val="bg1"/>
+                </a:solidFill>
+              </a:rPr>
+              <a:t>Africa</a:t>
+            </a:r>
+            <a:r>
+              <a:rPr lang="fr-FR" sz="900" dirty="0" smtClean="0">
+                <a:solidFill>
+                  <a:schemeClr val="bg1"/>
+                </a:solidFill>
+              </a:rPr>
+              <a:t> 1</a:t>
+            </a:r>
+            <a:r>
+              <a:rPr lang="fr-FR" sz="900" baseline="30000" dirty="0" smtClean="0">
+                <a:solidFill>
+                  <a:schemeClr val="bg1"/>
+                </a:solidFill>
+              </a:rPr>
+              <a:t>st </a:t>
+            </a:r>
+            <a:r>
+              <a:rPr lang="fr-FR" sz="900" dirty="0" err="1" smtClean="0">
+                <a:solidFill>
+                  <a:schemeClr val="bg1"/>
+                </a:solidFill>
+              </a:rPr>
+              <a:t>author</a:t>
+            </a:r>
+            <a:endParaRPr lang="sv-SE" sz="900" baseline="30000" dirty="0">
+              <a:solidFill>
+                <a:schemeClr val="bg1"/>
+              </a:solidFill>
+            </a:endParaRPr>
+          </a:p>
+        </p:txBody>
+      </p:sp>
+    </p:spTree>
+    <p:extLst>
+      <p:ext uri="{BB962C8B-B14F-4D97-AF65-F5344CB8AC3E}">
+        <p14:creationId xmlns:p14="http://schemas.microsoft.com/office/powerpoint/2010/main" val="3906222572"/>
+      </p:ext>
+    </p:extLst>
+  </p:cSld>
+  <p:clrMapOvr>
+    <a:masterClrMapping/>
+  </p:clrMapOvr>
+  <p:timing>
+    <p:tnLst>
+      <p:par>
+        <p:cTn id="1" dur="indefinite" restart="never" nodeType="tmRoot"/>
+      </p:par>
+    </p:tnLst>
+  </p:timing>
+</p:sld>
+</file>
+
+<file path=ppt/slides/slide3.xml><?xml version="1.0" encoding="utf-8"?>
+<p:sld xmlns:a="http://schemas.openxmlformats.org/drawingml/2006/main" xmlns:r="http://schemas.openxmlformats.org/officeDocument/2006/relationships" xmlns:p="http://schemas.openxmlformats.org/presentationml/2006/main">
+  <p:cSld>
+    <p:spTree>
+      <p:nvGrpSpPr>
+        <p:cNvPr id="1" name=""/>
+        <p:cNvGrpSpPr/>
+        <p:nvPr/>
+      </p:nvGrpSpPr>
+      <p:grpSpPr>
+        <a:xfrm>
+          <a:off x="0" y="0"/>
+          <a:ext cx="0" cy="0"/>
+          <a:chOff x="0" y="0"/>
+          <a:chExt cx="0" cy="0"/>
+        </a:xfrm>
+      </p:grpSpPr>
+      <p:pic>
+        <p:nvPicPr>
+          <p:cNvPr id="28" name="Picture 27"/>
+          <p:cNvPicPr>
+            <a:picLocks noChangeAspect="1"/>
+          </p:cNvPicPr>
+          <p:nvPr/>
+        </p:nvPicPr>
+        <p:blipFill rotWithShape="1">
+          <a:blip r:embed="rId2" cstate="print">
+            <a:extLst>
+              <a:ext uri="{28A0092B-C50C-407E-A947-70E740481C1C}">
+                <a14:useLocalDpi xmlns:a14="http://schemas.microsoft.com/office/drawing/2010/main" val="0"/>
+              </a:ext>
+            </a:extLst>
+          </a:blip>
+          <a:srcRect l="501" t="6344" r="10" b="12578"/>
+          <a:stretch/>
+        </p:blipFill>
+        <p:spPr>
+          <a:xfrm>
+            <a:off x="49635" y="-27254"/>
+            <a:ext cx="7080637" cy="2884443"/>
+          </a:xfrm>
+          <a:prstGeom prst="rect">
+            <a:avLst/>
+          </a:prstGeom>
+        </p:spPr>
+      </p:pic>
+      <p:sp>
+        <p:nvSpPr>
+          <p:cNvPr id="10" name="Arc 9"/>
+          <p:cNvSpPr/>
+          <p:nvPr/>
+        </p:nvSpPr>
+        <p:spPr>
+          <a:xfrm rot="19685602">
+            <a:off x="-178892" y="2254851"/>
+            <a:ext cx="736816" cy="453763"/>
+          </a:xfrm>
+          <a:prstGeom prst="arc">
+            <a:avLst>
+              <a:gd name="adj1" fmla="val 16200000"/>
+              <a:gd name="adj2" fmla="val 21284941"/>
+            </a:avLst>
+          </a:prstGeom>
+          <a:ln w="19050">
+            <a:solidFill>
+              <a:srgbClr val="4DECEA">
+                <a:alpha val="65000"/>
+              </a:srgbClr>
+            </a:solidFill>
+          </a:ln>
+        </p:spPr>
+        <p:style>
+          <a:lnRef idx="1">
+            <a:schemeClr val="accent1"/>
+          </a:lnRef>
+          <a:fillRef idx="0">
+            <a:schemeClr val="accent1"/>
+          </a:fillRef>
+          <a:effectRef idx="0">
+            <a:schemeClr val="accent1"/>
+          </a:effectRef>
+          <a:fontRef idx="minor">
+            <a:schemeClr val="tx1"/>
+          </a:fontRef>
+        </p:style>
+        <p:txBody>
+          <a:bodyPr rtlCol="0" anchor="ctr"/>
+          <a:lstStyle/>
+          <a:p>
+            <a:pPr algn="ctr"/>
+            <a:endParaRPr lang="sv-SE"/>
+          </a:p>
+        </p:txBody>
+      </p:sp>
+      <p:sp>
+        <p:nvSpPr>
+          <p:cNvPr id="16" name="TextBox 15"/>
+          <p:cNvSpPr txBox="1"/>
+          <p:nvPr/>
+        </p:nvSpPr>
+        <p:spPr>
+          <a:xfrm>
+            <a:off x="91355" y="1733495"/>
+            <a:ext cx="1380977" cy="153888"/>
+          </a:xfrm>
+          <a:prstGeom prst="rect">
+            <a:avLst/>
+          </a:prstGeom>
+          <a:noFill/>
+        </p:spPr>
+        <p:txBody>
+          <a:bodyPr wrap="square" lIns="0" tIns="0" rIns="0" bIns="0" rtlCol="0">
+            <a:spAutoFit/>
+          </a:bodyPr>
+          <a:lstStyle/>
+          <a:p>
+            <a:r>
+              <a:rPr lang="fr-FR" sz="1000" b="1" dirty="0" smtClean="0">
+                <a:solidFill>
+                  <a:schemeClr val="bg1"/>
+                </a:solidFill>
+              </a:rPr>
+              <a:t>First </a:t>
+            </a:r>
+            <a:r>
+              <a:rPr lang="fr-FR" sz="1000" b="1" dirty="0" err="1" smtClean="0">
+                <a:solidFill>
+                  <a:schemeClr val="bg1"/>
+                </a:solidFill>
+              </a:rPr>
+              <a:t>author</a:t>
+            </a:r>
+            <a:r>
+              <a:rPr lang="fr-FR" sz="1000" b="1" dirty="0" smtClean="0">
+                <a:solidFill>
+                  <a:schemeClr val="bg1"/>
+                </a:solidFill>
+              </a:rPr>
+              <a:t> to </a:t>
+            </a:r>
+            <a:r>
+              <a:rPr lang="fr-FR" sz="1000" b="1" dirty="0">
+                <a:solidFill>
+                  <a:schemeClr val="bg1"/>
+                </a:solidFill>
+              </a:rPr>
+              <a:t>C</a:t>
+            </a:r>
+            <a:r>
+              <a:rPr lang="fr-FR" sz="1000" b="1" dirty="0" smtClean="0">
+                <a:solidFill>
+                  <a:schemeClr val="bg1"/>
+                </a:solidFill>
+              </a:rPr>
+              <a:t>o-</a:t>
+            </a:r>
+            <a:r>
+              <a:rPr lang="fr-FR" sz="1000" b="1" dirty="0" err="1" smtClean="0">
+                <a:solidFill>
+                  <a:schemeClr val="bg1"/>
+                </a:solidFill>
+              </a:rPr>
+              <a:t>author</a:t>
+            </a:r>
+            <a:endParaRPr lang="sv-SE" sz="1000" b="1" dirty="0">
+              <a:solidFill>
+                <a:schemeClr val="bg1"/>
+              </a:solidFill>
+            </a:endParaRPr>
+          </a:p>
+        </p:txBody>
+      </p:sp>
+      <p:sp>
+        <p:nvSpPr>
+          <p:cNvPr id="18" name="TextBox 17"/>
+          <p:cNvSpPr txBox="1"/>
+          <p:nvPr/>
+        </p:nvSpPr>
+        <p:spPr>
+          <a:xfrm>
+            <a:off x="542083" y="1937641"/>
+            <a:ext cx="930249" cy="138499"/>
+          </a:xfrm>
+          <a:prstGeom prst="rect">
+            <a:avLst/>
+          </a:prstGeom>
+          <a:noFill/>
+        </p:spPr>
+        <p:txBody>
+          <a:bodyPr wrap="square" lIns="0" tIns="0" rIns="0" bIns="0" rtlCol="0">
+            <a:spAutoFit/>
+          </a:bodyPr>
+          <a:lstStyle/>
+          <a:p>
+            <a:r>
+              <a:rPr lang="fr-FR" sz="900" dirty="0" err="1" smtClean="0">
+                <a:solidFill>
+                  <a:schemeClr val="bg1"/>
+                </a:solidFill>
+              </a:rPr>
+              <a:t>African</a:t>
+            </a:r>
+            <a:r>
+              <a:rPr lang="fr-FR" sz="900" dirty="0">
+                <a:solidFill>
+                  <a:schemeClr val="bg1"/>
+                </a:solidFill>
+              </a:rPr>
+              <a:t> </a:t>
+            </a:r>
+            <a:r>
+              <a:rPr lang="fr-FR" sz="900" dirty="0" smtClean="0">
+                <a:solidFill>
+                  <a:schemeClr val="bg1"/>
+                </a:solidFill>
+              </a:rPr>
+              <a:t>1</a:t>
+            </a:r>
+            <a:r>
+              <a:rPr lang="fr-FR" sz="900" baseline="30000" dirty="0" smtClean="0">
+                <a:solidFill>
+                  <a:schemeClr val="bg1"/>
+                </a:solidFill>
+              </a:rPr>
+              <a:t>st</a:t>
+            </a:r>
+            <a:r>
+              <a:rPr lang="fr-FR" sz="900" dirty="0" smtClean="0">
+                <a:solidFill>
+                  <a:schemeClr val="bg1"/>
+                </a:solidFill>
+              </a:rPr>
+              <a:t> </a:t>
+            </a:r>
+            <a:r>
+              <a:rPr lang="fr-FR" sz="900" dirty="0" err="1" smtClean="0">
+                <a:solidFill>
+                  <a:schemeClr val="bg1"/>
+                </a:solidFill>
+              </a:rPr>
+              <a:t>author</a:t>
+            </a:r>
+            <a:endParaRPr lang="sv-SE" sz="900" dirty="0">
+              <a:solidFill>
+                <a:schemeClr val="bg1"/>
+              </a:solidFill>
+            </a:endParaRPr>
+          </a:p>
+        </p:txBody>
+      </p:sp>
+      <p:sp>
+        <p:nvSpPr>
+          <p:cNvPr id="23" name="TextBox 22"/>
+          <p:cNvSpPr txBox="1"/>
+          <p:nvPr/>
+        </p:nvSpPr>
+        <p:spPr>
+          <a:xfrm>
+            <a:off x="542083" y="2176139"/>
+            <a:ext cx="1036141" cy="138499"/>
+          </a:xfrm>
+          <a:prstGeom prst="rect">
+            <a:avLst/>
+          </a:prstGeom>
+          <a:noFill/>
+        </p:spPr>
+        <p:txBody>
+          <a:bodyPr wrap="square" lIns="0" tIns="0" rIns="0" bIns="0" rtlCol="0">
+            <a:spAutoFit/>
+          </a:bodyPr>
+          <a:lstStyle/>
+          <a:p>
+            <a:r>
+              <a:rPr lang="fr-FR" sz="900" dirty="0" err="1" smtClean="0">
+                <a:solidFill>
+                  <a:schemeClr val="bg1"/>
+                </a:solidFill>
+              </a:rPr>
+              <a:t>Overseas</a:t>
+            </a:r>
+            <a:r>
+              <a:rPr lang="fr-FR" sz="900" dirty="0" smtClean="0">
+                <a:solidFill>
+                  <a:schemeClr val="bg1"/>
+                </a:solidFill>
+              </a:rPr>
+              <a:t> </a:t>
+            </a:r>
+            <a:r>
+              <a:rPr lang="fr-FR" sz="900" dirty="0" smtClean="0">
+                <a:solidFill>
+                  <a:schemeClr val="bg1"/>
+                </a:solidFill>
+              </a:rPr>
+              <a:t>1</a:t>
+            </a:r>
+            <a:r>
+              <a:rPr lang="fr-FR" sz="900" baseline="30000" dirty="0" smtClean="0">
+                <a:solidFill>
+                  <a:schemeClr val="bg1"/>
+                </a:solidFill>
+              </a:rPr>
+              <a:t>st</a:t>
+            </a:r>
+            <a:r>
+              <a:rPr lang="fr-FR" sz="900" dirty="0" smtClean="0">
+                <a:solidFill>
+                  <a:schemeClr val="bg1"/>
+                </a:solidFill>
+              </a:rPr>
+              <a:t> </a:t>
+            </a:r>
+            <a:r>
+              <a:rPr lang="fr-FR" sz="900" dirty="0" err="1" smtClean="0">
+                <a:solidFill>
+                  <a:schemeClr val="bg1"/>
+                </a:solidFill>
+              </a:rPr>
+              <a:t>author</a:t>
+            </a:r>
+            <a:endParaRPr lang="sv-SE" sz="900" dirty="0">
+              <a:solidFill>
+                <a:schemeClr val="bg1"/>
+              </a:solidFill>
+            </a:endParaRPr>
+          </a:p>
+        </p:txBody>
+      </p:sp>
+      <p:sp>
+        <p:nvSpPr>
+          <p:cNvPr id="24" name="Arc 23"/>
+          <p:cNvSpPr/>
+          <p:nvPr/>
+        </p:nvSpPr>
+        <p:spPr>
+          <a:xfrm rot="19685602">
+            <a:off x="-188853" y="2027395"/>
+            <a:ext cx="736816" cy="453763"/>
+          </a:xfrm>
+          <a:prstGeom prst="arc">
+            <a:avLst>
+              <a:gd name="adj1" fmla="val 16200000"/>
+              <a:gd name="adj2" fmla="val 21284941"/>
+            </a:avLst>
+          </a:prstGeom>
+          <a:ln w="19050">
+            <a:solidFill>
+              <a:srgbClr val="BA21C9"/>
+            </a:solidFill>
+          </a:ln>
+        </p:spPr>
+        <p:style>
+          <a:lnRef idx="1">
+            <a:schemeClr val="accent1"/>
+          </a:lnRef>
+          <a:fillRef idx="0">
+            <a:schemeClr val="accent1"/>
+          </a:fillRef>
+          <a:effectRef idx="0">
+            <a:schemeClr val="accent1"/>
+          </a:effectRef>
+          <a:fontRef idx="minor">
+            <a:schemeClr val="tx1"/>
+          </a:fontRef>
+        </p:style>
+        <p:txBody>
+          <a:bodyPr rtlCol="0" anchor="ctr"/>
+          <a:lstStyle/>
+          <a:p>
+            <a:pPr algn="ctr"/>
+            <a:endParaRPr lang="sv-SE"/>
+          </a:p>
+        </p:txBody>
+      </p:sp>
+      <p:sp>
+        <p:nvSpPr>
+          <p:cNvPr id="27" name="Arc 26"/>
+          <p:cNvSpPr/>
+          <p:nvPr/>
+        </p:nvSpPr>
+        <p:spPr>
+          <a:xfrm rot="19685602">
+            <a:off x="-161293" y="2475076"/>
+            <a:ext cx="736816" cy="453763"/>
+          </a:xfrm>
+          <a:prstGeom prst="arc">
+            <a:avLst>
+              <a:gd name="adj1" fmla="val 16200000"/>
+              <a:gd name="adj2" fmla="val 21284941"/>
+            </a:avLst>
+          </a:prstGeom>
+          <a:ln w="19050">
+            <a:solidFill>
+              <a:srgbClr val="FA9F44"/>
+            </a:solidFill>
+          </a:ln>
+        </p:spPr>
+        <p:style>
+          <a:lnRef idx="1">
+            <a:schemeClr val="accent1"/>
+          </a:lnRef>
+          <a:fillRef idx="0">
+            <a:schemeClr val="accent1"/>
+          </a:fillRef>
+          <a:effectRef idx="0">
+            <a:schemeClr val="accent1"/>
+          </a:effectRef>
+          <a:fontRef idx="minor">
+            <a:schemeClr val="tx1"/>
+          </a:fontRef>
+        </p:style>
+        <p:txBody>
+          <a:bodyPr rtlCol="0" anchor="ctr"/>
+          <a:lstStyle/>
+          <a:p>
+            <a:pPr algn="ctr"/>
+            <a:endParaRPr lang="sv-SE"/>
+          </a:p>
+        </p:txBody>
+      </p:sp>
+      <p:sp>
+        <p:nvSpPr>
+          <p:cNvPr id="29" name="TextBox 28"/>
+          <p:cNvSpPr txBox="1"/>
+          <p:nvPr/>
+        </p:nvSpPr>
+        <p:spPr>
+          <a:xfrm>
+            <a:off x="542082" y="2392713"/>
+            <a:ext cx="1315660" cy="138499"/>
+          </a:xfrm>
+          <a:prstGeom prst="rect">
+            <a:avLst/>
+          </a:prstGeom>
+          <a:noFill/>
+        </p:spPr>
+        <p:txBody>
+          <a:bodyPr wrap="square" lIns="0" tIns="0" rIns="0" bIns="0" rtlCol="0">
+            <a:spAutoFit/>
+          </a:bodyPr>
+          <a:lstStyle/>
+          <a:p>
+            <a:r>
+              <a:rPr lang="fr-FR" sz="900" dirty="0" err="1" smtClean="0">
+                <a:solidFill>
+                  <a:schemeClr val="bg1"/>
+                </a:solidFill>
+              </a:rPr>
+              <a:t>Overseas</a:t>
+            </a:r>
+            <a:r>
+              <a:rPr lang="fr-FR" sz="900" dirty="0" smtClean="0">
+                <a:solidFill>
+                  <a:schemeClr val="bg1"/>
+                </a:solidFill>
+              </a:rPr>
+              <a:t> </a:t>
+            </a:r>
+            <a:r>
+              <a:rPr lang="fr-FR" sz="900" dirty="0" smtClean="0">
+                <a:solidFill>
+                  <a:schemeClr val="bg1"/>
+                </a:solidFill>
+              </a:rPr>
+              <a:t>/</a:t>
+            </a:r>
+            <a:r>
+              <a:rPr lang="fr-FR" sz="900" dirty="0" err="1" smtClean="0">
+                <a:solidFill>
+                  <a:schemeClr val="bg1"/>
+                </a:solidFill>
+              </a:rPr>
+              <a:t>Africa</a:t>
+            </a:r>
+            <a:r>
+              <a:rPr lang="fr-FR" sz="900" dirty="0" smtClean="0">
+                <a:solidFill>
+                  <a:schemeClr val="bg1"/>
+                </a:solidFill>
+              </a:rPr>
+              <a:t> 1</a:t>
+            </a:r>
+            <a:r>
+              <a:rPr lang="fr-FR" sz="900" baseline="30000" dirty="0" smtClean="0">
+                <a:solidFill>
+                  <a:schemeClr val="bg1"/>
+                </a:solidFill>
+              </a:rPr>
+              <a:t>st </a:t>
+            </a:r>
+            <a:r>
+              <a:rPr lang="fr-FR" sz="900" dirty="0" err="1" smtClean="0">
+                <a:solidFill>
+                  <a:schemeClr val="bg1"/>
+                </a:solidFill>
+              </a:rPr>
+              <a:t>author</a:t>
+            </a:r>
+            <a:endParaRPr lang="sv-SE" sz="900" baseline="30000" dirty="0">
+              <a:solidFill>
+                <a:schemeClr val="bg1"/>
+              </a:solidFill>
+            </a:endParaRPr>
+          </a:p>
+        </p:txBody>
+      </p:sp>
+    </p:spTree>
+    <p:extLst>
+      <p:ext uri="{BB962C8B-B14F-4D97-AF65-F5344CB8AC3E}">
+        <p14:creationId xmlns:p14="http://schemas.microsoft.com/office/powerpoint/2010/main" val="3615956552"/>
+      </p:ext>
+    </p:extLst>
+  </p:cSld>
+  <p:clrMapOvr>
+    <a:masterClrMapping/>
+  </p:clrMapOvr>
+  <p:timing>
+    <p:tnLst>
+      <p:par>
+        <p:cTn id="1" dur="indefinite" restart="never" nodeType="tmRoot"/>
+      </p:par>
+    </p:tnLst>
+  </p:timing>
+</p:sld>
+</file>
+
+<file path=ppt/slides/slide4.xml><?xml version="1.0" encoding="utf-8"?>
+<p:sld xmlns:a="http://schemas.openxmlformats.org/drawingml/2006/main" xmlns:r="http://schemas.openxmlformats.org/officeDocument/2006/relationships" xmlns:p="http://schemas.openxmlformats.org/presentationml/2006/main">
+  <p:cSld>
+    <p:spTree>
+      <p:nvGrpSpPr>
+        <p:cNvPr id="1" name=""/>
+        <p:cNvGrpSpPr/>
+        <p:nvPr/>
+      </p:nvGrpSpPr>
+      <p:grpSpPr>
+        <a:xfrm>
+          <a:off x="0" y="0"/>
+          <a:ext cx="0" cy="0"/>
+          <a:chOff x="0" y="0"/>
+          <a:chExt cx="0" cy="0"/>
+        </a:xfrm>
+      </p:grpSpPr>
+      <p:pic>
+        <p:nvPicPr>
           <p:cNvPr id="4" name="Picture 3"/>
           <p:cNvPicPr>
             <a:picLocks noChangeAspect="1"/>
